--- a/Programmieren 1.pptx
+++ b/Programmieren 1.pptx
@@ -202,7 +202,7 @@
           <a:p>
             <a:fld id="{F9358DDF-8CAB-4E08-A873-06EA46612F35}" type="datetimeFigureOut">
               <a:rPr lang="de-DE" smtClean="0"/>
-              <a:t>09.02.2024</a:t>
+              <a:t>11.02.2024</a:t>
             </a:fld>
             <a:endParaRPr lang="de-DE"/>
           </a:p>
@@ -1282,7 +1282,7 @@
           <a:p>
             <a:fld id="{6EC949DF-3EDA-4C2D-8E3C-E86611F5AF8C}" type="datetimeFigureOut">
               <a:rPr lang="de-DE" smtClean="0"/>
-              <a:t>09.02.2024</a:t>
+              <a:t>11.02.2024</a:t>
             </a:fld>
             <a:endParaRPr lang="de-DE"/>
           </a:p>
@@ -1480,7 +1480,7 @@
           <a:p>
             <a:fld id="{6EC949DF-3EDA-4C2D-8E3C-E86611F5AF8C}" type="datetimeFigureOut">
               <a:rPr lang="de-DE" smtClean="0"/>
-              <a:t>09.02.2024</a:t>
+              <a:t>11.02.2024</a:t>
             </a:fld>
             <a:endParaRPr lang="de-DE"/>
           </a:p>
@@ -1688,7 +1688,7 @@
           <a:p>
             <a:fld id="{6EC949DF-3EDA-4C2D-8E3C-E86611F5AF8C}" type="datetimeFigureOut">
               <a:rPr lang="de-DE" smtClean="0"/>
-              <a:t>09.02.2024</a:t>
+              <a:t>11.02.2024</a:t>
             </a:fld>
             <a:endParaRPr lang="de-DE"/>
           </a:p>
@@ -1886,7 +1886,7 @@
           <a:p>
             <a:fld id="{6EC949DF-3EDA-4C2D-8E3C-E86611F5AF8C}" type="datetimeFigureOut">
               <a:rPr lang="de-DE" smtClean="0"/>
-              <a:t>09.02.2024</a:t>
+              <a:t>11.02.2024</a:t>
             </a:fld>
             <a:endParaRPr lang="de-DE"/>
           </a:p>
@@ -2161,7 +2161,7 @@
           <a:p>
             <a:fld id="{6EC949DF-3EDA-4C2D-8E3C-E86611F5AF8C}" type="datetimeFigureOut">
               <a:rPr lang="de-DE" smtClean="0"/>
-              <a:t>09.02.2024</a:t>
+              <a:t>11.02.2024</a:t>
             </a:fld>
             <a:endParaRPr lang="de-DE"/>
           </a:p>
@@ -2426,7 +2426,7 @@
           <a:p>
             <a:fld id="{6EC949DF-3EDA-4C2D-8E3C-E86611F5AF8C}" type="datetimeFigureOut">
               <a:rPr lang="de-DE" smtClean="0"/>
-              <a:t>09.02.2024</a:t>
+              <a:t>11.02.2024</a:t>
             </a:fld>
             <a:endParaRPr lang="de-DE"/>
           </a:p>
@@ -2838,7 +2838,7 @@
           <a:p>
             <a:fld id="{6EC949DF-3EDA-4C2D-8E3C-E86611F5AF8C}" type="datetimeFigureOut">
               <a:rPr lang="de-DE" smtClean="0"/>
-              <a:t>09.02.2024</a:t>
+              <a:t>11.02.2024</a:t>
             </a:fld>
             <a:endParaRPr lang="de-DE"/>
           </a:p>
@@ -2979,7 +2979,7 @@
           <a:p>
             <a:fld id="{6EC949DF-3EDA-4C2D-8E3C-E86611F5AF8C}" type="datetimeFigureOut">
               <a:rPr lang="de-DE" smtClean="0"/>
-              <a:t>09.02.2024</a:t>
+              <a:t>11.02.2024</a:t>
             </a:fld>
             <a:endParaRPr lang="de-DE"/>
           </a:p>
@@ -3092,7 +3092,7 @@
           <a:p>
             <a:fld id="{6EC949DF-3EDA-4C2D-8E3C-E86611F5AF8C}" type="datetimeFigureOut">
               <a:rPr lang="de-DE" smtClean="0"/>
-              <a:t>09.02.2024</a:t>
+              <a:t>11.02.2024</a:t>
             </a:fld>
             <a:endParaRPr lang="de-DE"/>
           </a:p>
@@ -3403,7 +3403,7 @@
           <a:p>
             <a:fld id="{6EC949DF-3EDA-4C2D-8E3C-E86611F5AF8C}" type="datetimeFigureOut">
               <a:rPr lang="de-DE" smtClean="0"/>
-              <a:t>09.02.2024</a:t>
+              <a:t>11.02.2024</a:t>
             </a:fld>
             <a:endParaRPr lang="de-DE"/>
           </a:p>
@@ -3691,7 +3691,7 @@
           <a:p>
             <a:fld id="{6EC949DF-3EDA-4C2D-8E3C-E86611F5AF8C}" type="datetimeFigureOut">
               <a:rPr lang="de-DE" smtClean="0"/>
-              <a:t>09.02.2024</a:t>
+              <a:t>11.02.2024</a:t>
             </a:fld>
             <a:endParaRPr lang="de-DE"/>
           </a:p>
@@ -3932,7 +3932,7 @@
           <a:p>
             <a:fld id="{6EC949DF-3EDA-4C2D-8E3C-E86611F5AF8C}" type="datetimeFigureOut">
               <a:rPr lang="de-DE" smtClean="0"/>
-              <a:t>09.02.2024</a:t>
+              <a:t>11.02.2024</a:t>
             </a:fld>
             <a:endParaRPr lang="de-DE"/>
           </a:p>
@@ -5500,23 +5500,15 @@
               <a:defRPr/>
             </a:pPr>
             <a:r>
-              <a:rPr kumimoji="0" lang="en-IN" sz="1600" b="0" i="0" u="none" strike="noStrike" kern="1200" cap="none" spc="0" normalizeH="0" baseline="0" noProof="0" dirty="0" err="1">
-                <a:ln>
-                  <a:noFill/>
-                </a:ln>
+              <a:rPr lang="en-IN" sz="1600" dirty="0">
                 <a:solidFill>
                   <a:schemeClr val="tx1">
                     <a:lumMod val="85000"/>
                     <a:lumOff val="15000"/>
                   </a:schemeClr>
                 </a:solidFill>
-                <a:effectLst/>
-                <a:uLnTx/>
-                <a:uFillTx/>
-                <a:ea typeface="+mn-ea"/>
-                <a:cs typeface="+mn-cs"/>
               </a:rPr>
-              <a:t>Quizspiel</a:t>
+              <a:t>Idee</a:t>
             </a:r>
             <a:endParaRPr kumimoji="0" lang="en-IN" sz="1600" b="0" i="0" u="none" strike="noStrike" kern="1200" cap="none" spc="0" normalizeH="0" baseline="0" noProof="0" dirty="0">
               <a:ln>
@@ -7633,10 +7625,10 @@
         </p:nvGrpSpPr>
         <p:grpSpPr>
           <a:xfrm>
-            <a:off x="616601" y="705661"/>
-            <a:ext cx="5291666" cy="5446677"/>
-            <a:chOff x="353405" y="184729"/>
-            <a:chExt cx="5424670" cy="6057751"/>
+            <a:off x="600647" y="705661"/>
+            <a:ext cx="5307625" cy="5446677"/>
+            <a:chOff x="337047" y="184729"/>
+            <a:chExt cx="5441028" cy="6057751"/>
           </a:xfrm>
         </p:grpSpPr>
         <p:grpSp>
@@ -7653,10 +7645,10 @@
           </p:nvGrpSpPr>
           <p:grpSpPr>
             <a:xfrm>
-              <a:off x="353405" y="184729"/>
-              <a:ext cx="5424670" cy="6057751"/>
-              <a:chOff x="887423" y="1154723"/>
-              <a:chExt cx="2340002" cy="4853029"/>
+              <a:off x="337047" y="184729"/>
+              <a:ext cx="5441028" cy="6057751"/>
+              <a:chOff x="880367" y="1154723"/>
+              <a:chExt cx="2347058" cy="4853029"/>
             </a:xfrm>
           </p:grpSpPr>
           <p:sp>
@@ -8195,12 +8187,12 @@
               <a:p>
                 <a:pPr algn="ctr" defTabSz="806501"/>
                 <a:r>
-                  <a:rPr lang="en-IN" sz="1600" b="1" kern="1200" dirty="0" err="1">
+                  <a:rPr lang="en-IN" sz="1600" b="1" kern="1200" dirty="0">
                     <a:latin typeface="Montserrat" panose="00000500000000000000" pitchFamily="2" charset="0"/>
                     <a:ea typeface="+mn-ea"/>
                     <a:cs typeface="+mn-cs"/>
                   </a:rPr>
-                  <a:t>Quizspiel</a:t>
+                  <a:t>Idee</a:t>
                 </a:r>
                 <a:endParaRPr lang="en-IN" sz="2000" b="1" dirty="0">
                   <a:latin typeface="Montserrat" panose="00000500000000000000" pitchFamily="2" charset="0"/>
@@ -8222,7 +8214,7 @@
             </p:nvSpPr>
             <p:spPr>
               <a:xfrm>
-                <a:off x="887423" y="2925752"/>
+                <a:off x="880367" y="2925752"/>
                 <a:ext cx="2340000" cy="3082000"/>
               </a:xfrm>
               <a:custGeom>
@@ -8372,8 +8364,8 @@
           </p:nvSpPr>
           <p:spPr>
             <a:xfrm>
-              <a:off x="588334" y="2507150"/>
-              <a:ext cx="5143542" cy="1200329"/>
+              <a:off x="493967" y="2499550"/>
+              <a:ext cx="5143541" cy="1497877"/>
             </a:xfrm>
             <a:prstGeom prst="rect">
               <a:avLst/>
@@ -8430,17 +8422,46 @@
             <a:p>
               <a:pPr defTabSz="806501"/>
               <a:r>
-                <a:rPr lang="de-DE" sz="1588" kern="1200" dirty="0">
-                  <a:solidFill>
-                    <a:schemeClr val="tx1"/>
-                  </a:solidFill>
-                  <a:latin typeface="+mn-lt"/>
-                  <a:ea typeface="+mn-ea"/>
-                  <a:cs typeface="+mn-cs"/>
+                <a:rPr lang="de-DE" sz="1588" dirty="0">
+                  <a:sym typeface="Wingdings" panose="05000000000000000000" pitchFamily="2" charset="2"/>
                 </a:rPr>
-                <a:t>Punktesystem</a:t>
+                <a:t>Karteikartensystem (</a:t>
               </a:r>
-              <a:endParaRPr lang="de-DE" dirty="0"/>
+              <a:r>
+                <a:rPr lang="de-DE" sz="1588" dirty="0" err="1">
+                  <a:sym typeface="Wingdings" panose="05000000000000000000" pitchFamily="2" charset="2"/>
+                </a:rPr>
+                <a:t>Moodle</a:t>
+              </a:r>
+              <a:r>
+                <a:rPr lang="de-DE" sz="1588" dirty="0">
+                  <a:sym typeface="Wingdings" panose="05000000000000000000" pitchFamily="2" charset="2"/>
+                </a:rPr>
+                <a:t>) </a:t>
+              </a:r>
+            </a:p>
+            <a:p>
+              <a:pPr defTabSz="806501"/>
+              <a:r>
+                <a:rPr lang="de-DE" sz="1588" dirty="0">
+                  <a:sym typeface="Wingdings" panose="05000000000000000000" pitchFamily="2" charset="2"/>
+                </a:rPr>
+                <a:t> </a:t>
+              </a:r>
+              <a:r>
+                <a:rPr lang="de-DE" b="1" dirty="0">
+                  <a:sym typeface="Wingdings" panose="05000000000000000000" pitchFamily="2" charset="2"/>
+                </a:rPr>
+                <a:t>Umsetzung</a:t>
+              </a:r>
+              <a:endParaRPr lang="de-DE" b="1" kern="1200" dirty="0">
+                <a:solidFill>
+                  <a:schemeClr val="tx1"/>
+                </a:solidFill>
+                <a:latin typeface="+mn-lt"/>
+                <a:ea typeface="+mn-ea"/>
+                <a:cs typeface="+mn-cs"/>
+              </a:endParaRPr>
             </a:p>
           </p:txBody>
         </p:sp>
@@ -9511,7 +9532,7 @@
           <p:spPr>
             <a:xfrm>
               <a:off x="588334" y="2507150"/>
-              <a:ext cx="5143542" cy="1183739"/>
+              <a:ext cx="5143542" cy="2543409"/>
             </a:xfrm>
             <a:prstGeom prst="rect">
               <a:avLst/>
@@ -9534,7 +9555,7 @@
                   <a:ea typeface="+mn-ea"/>
                   <a:cs typeface="+mn-cs"/>
                 </a:rPr>
-                <a:t>Einteilung der Aufgaben</a:t>
+                <a:t>Überblick Aufgaben</a:t>
               </a:r>
             </a:p>
             <a:p>
@@ -9548,7 +9569,7 @@
                   <a:ea typeface="+mn-ea"/>
                   <a:cs typeface="+mn-cs"/>
                 </a:rPr>
-                <a:t>Installation der Bibliotheken</a:t>
+                <a:t>Einteilung der Aufgaben</a:t>
               </a:r>
             </a:p>
             <a:p>
@@ -9560,6 +9581,50 @@
             </a:p>
             <a:p>
               <a:pPr defTabSz="898672"/>
+              <a:endParaRPr lang="de-DE" sz="1572" dirty="0"/>
+            </a:p>
+            <a:p>
+              <a:pPr defTabSz="898672"/>
+              <a:r>
+                <a:rPr lang="de-DE" sz="1572" dirty="0"/>
+                <a:t>Unerwartete Zeitfresser:</a:t>
+              </a:r>
+            </a:p>
+            <a:p>
+              <a:pPr marL="285750" indent="-285750" defTabSz="898672">
+                <a:buFont typeface="Arial" panose="020B0604020202020204" pitchFamily="34" charset="0"/>
+                <a:buChar char="•"/>
+              </a:pPr>
+              <a:r>
+                <a:rPr lang="de-DE" sz="1600" dirty="0"/>
+                <a:t>Bibliotheken finden und einarbeiten</a:t>
+              </a:r>
+            </a:p>
+            <a:p>
+              <a:pPr marL="285750" indent="-285750" defTabSz="898672">
+                <a:buFont typeface="Arial" panose="020B0604020202020204" pitchFamily="34" charset="0"/>
+                <a:buChar char="•"/>
+              </a:pPr>
+              <a:r>
+                <a:rPr lang="de-DE" sz="1600" dirty="0"/>
+                <a:t>Fehlersuche</a:t>
+              </a:r>
+            </a:p>
+            <a:p>
+              <a:pPr marL="285750" indent="-285750" defTabSz="898672">
+                <a:buFont typeface="Arial" panose="020B0604020202020204" pitchFamily="34" charset="0"/>
+                <a:buChar char="•"/>
+              </a:pPr>
+              <a:r>
+                <a:rPr lang="de-DE" sz="1600" dirty="0"/>
+                <a:t>Schnittstellenprogrammierung</a:t>
+              </a:r>
+            </a:p>
+            <a:p>
+              <a:pPr marL="285750" indent="-285750" defTabSz="898672">
+                <a:buFont typeface="Arial" panose="020B0604020202020204" pitchFamily="34" charset="0"/>
+                <a:buChar char="•"/>
+              </a:pPr>
               <a:endParaRPr lang="de-DE" sz="1600" dirty="0"/>
             </a:p>
           </p:txBody>
@@ -12564,7 +12629,7 @@
             <p:spPr>
               <a:xfrm>
                 <a:off x="6708034" y="2509180"/>
-                <a:ext cx="4764528" cy="2031325"/>
+                <a:ext cx="4764528" cy="2585323"/>
               </a:xfrm>
               <a:prstGeom prst="rect">
                 <a:avLst/>
@@ -12579,7 +12644,7 @@
               <a:p>
                 <a:r>
                   <a:rPr lang="de-DE" dirty="0"/>
-                  <a:t>Grundkenntnisse in Python</a:t>
+                  <a:t>Grundkenntnisse in Python verfestigen</a:t>
                 </a:r>
               </a:p>
               <a:p>
@@ -12605,6 +12670,17 @@
                 <a:r>
                   <a:rPr lang="de-DE" dirty="0"/>
                   <a:t>Framework </a:t>
+                </a:r>
+                <a:r>
+                  <a:rPr lang="de-DE" dirty="0" err="1"/>
+                  <a:t>React</a:t>
+                </a:r>
+                <a:endParaRPr lang="de-DE" dirty="0"/>
+              </a:p>
+              <a:p>
+                <a:r>
+                  <a:rPr lang="de-DE" dirty="0"/>
+                  <a:t>Schnittstellenprogrammierung von Python und </a:t>
                 </a:r>
                 <a:r>
                   <a:rPr lang="de-DE" dirty="0" err="1"/>
